--- a/lect1-computer.pptx
+++ b/lect1-computer.pptx
@@ -6340,7 +6340,7 @@
           <a:p>
             <a:fld id="{9FCEB7ED-9AEC-46CF-975E-D41C1296BD16}" type="datetimeFigureOut">
               <a:rPr lang="en-US" smtClean="0"/>
-              <a:t>2019-06-10</a:t>
+              <a:t>2020-09-04</a:t>
             </a:fld>
             <a:endParaRPr lang="en-US"/>
           </a:p>
@@ -6777,7 +6777,10 @@
           <a:bodyPr/>
           <a:lstStyle/>
           <a:p>
-            <a:endParaRPr lang="en-US" dirty="0"/>
+            <a:r>
+              <a:rPr lang="en-US" dirty="0"/>
+              <a:t>Note that a byte used to consist of more or less than 8 bits. Nowadays, it is commonly accepted that 8 bits make a byte, and a character (ASCII. We might get to learn about Unicode later.) is encoded on a per-byte basis.</a:t>
+            </a:r>
           </a:p>
         </p:txBody>
       </p:sp>
@@ -6948,36 +6951,7 @@
           <a:bodyPr/>
           <a:lstStyle/>
           <a:p>
-            <a:r>
-              <a:rPr lang="en-US" dirty="0"/>
-              <a:t>In the world of engineering and computing, there are also two more important number bases, the octal system (0-7) and the hexadecimal system (0-F).</a:t>
-            </a:r>
-          </a:p>
-          <a:p>
             <a:endParaRPr lang="en-US" dirty="0"/>
-          </a:p>
-          <a:p>
-            <a:pPr marL="0" marR="0" lvl="0" indent="0" algn="l" defTabSz="914400" rtl="0" eaLnBrk="1" fontAlgn="auto" latinLnBrk="0" hangingPunct="1">
-              <a:lnSpc>
-                <a:spcPct val="100000"/>
-              </a:lnSpc>
-              <a:spcBef>
-                <a:spcPts val="0"/>
-              </a:spcBef>
-              <a:spcAft>
-                <a:spcPts val="0"/>
-              </a:spcAft>
-              <a:buClrTx/>
-              <a:buSzTx/>
-              <a:buFontTx/>
-              <a:buNone/>
-              <a:tabLst/>
-              <a:defRPr/>
-            </a:pPr>
-            <a:r>
-              <a:rPr lang="en-US" dirty="0"/>
-              <a:t>The octal system is not much used, but it can appear sometimes if you’re working with triplets of binary data. On the other hand, hex is widely used everywhere especially to compact binary numbers.</a:t>
-            </a:r>
           </a:p>
         </p:txBody>
       </p:sp>
@@ -6996,9 +6970,9 @@
           <a:bodyPr/>
           <a:lstStyle/>
           <a:p>
-            <a:fld id="{0DC8852F-9351-40A6-816E-F49E530C5F22}" type="slidenum">
+            <a:fld id="{64E13E44-A368-46EA-9BDD-E24139122969}" type="slidenum">
               <a:rPr lang="en-US" smtClean="0"/>
-              <a:t>19</a:t>
+              <a:t>17</a:t>
             </a:fld>
             <a:endParaRPr lang="en-US"/>
           </a:p>
@@ -7007,7 +6981,7 @@
     </p:spTree>
     <p:extLst>
       <p:ext uri="{BB962C8B-B14F-4D97-AF65-F5344CB8AC3E}">
-        <p14:creationId xmlns:p14="http://schemas.microsoft.com/office/powerpoint/2010/main" val="2950663640"/>
+        <p14:creationId xmlns:p14="http://schemas.microsoft.com/office/powerpoint/2010/main" val="2205587443"/>
       </p:ext>
     </p:extLst>
   </p:cSld>
@@ -7061,7 +7035,36 @@
           <a:bodyPr/>
           <a:lstStyle/>
           <a:p>
+            <a:r>
+              <a:rPr lang="en-US" dirty="0"/>
+              <a:t>In the world of engineering and computing, there are also two more important number bases, the octal system (0-7) and the hexadecimal system (0-F).</a:t>
+            </a:r>
+          </a:p>
+          <a:p>
             <a:endParaRPr lang="en-US" dirty="0"/>
+          </a:p>
+          <a:p>
+            <a:pPr marL="0" marR="0" lvl="0" indent="0" algn="l" defTabSz="914400" rtl="0" eaLnBrk="1" fontAlgn="auto" latinLnBrk="0" hangingPunct="1">
+              <a:lnSpc>
+                <a:spcPct val="100000"/>
+              </a:lnSpc>
+              <a:spcBef>
+                <a:spcPts val="0"/>
+              </a:spcBef>
+              <a:spcAft>
+                <a:spcPts val="0"/>
+              </a:spcAft>
+              <a:buClrTx/>
+              <a:buSzTx/>
+              <a:buFontTx/>
+              <a:buNone/>
+              <a:tabLst/>
+              <a:defRPr/>
+            </a:pPr>
+            <a:r>
+              <a:rPr lang="en-US" dirty="0"/>
+              <a:t>The octal system is not much used, but it can appear sometimes if you’re working with triplets of binary data. On the other hand, hex is widely used everywhere especially to compact binary numbers.</a:t>
+            </a:r>
           </a:p>
         </p:txBody>
       </p:sp>
@@ -7080,9 +7083,9 @@
           <a:bodyPr/>
           <a:lstStyle/>
           <a:p>
-            <a:fld id="{64E13E44-A368-46EA-9BDD-E24139122969}" type="slidenum">
+            <a:fld id="{0DC8852F-9351-40A6-816E-F49E530C5F22}" type="slidenum">
               <a:rPr lang="en-US" smtClean="0"/>
-              <a:t>20</a:t>
+              <a:t>19</a:t>
             </a:fld>
             <a:endParaRPr lang="en-US"/>
           </a:p>
@@ -7091,7 +7094,7 @@
     </p:spTree>
     <p:extLst>
       <p:ext uri="{BB962C8B-B14F-4D97-AF65-F5344CB8AC3E}">
-        <p14:creationId xmlns:p14="http://schemas.microsoft.com/office/powerpoint/2010/main" val="391294312"/>
+        <p14:creationId xmlns:p14="http://schemas.microsoft.com/office/powerpoint/2010/main" val="2950663640"/>
       </p:ext>
     </p:extLst>
   </p:cSld>
@@ -7145,25 +7148,7 @@
           <a:bodyPr/>
           <a:lstStyle/>
           <a:p>
-            <a:r>
-              <a:rPr lang="en-US" dirty="0"/>
-              <a:t>It’s much easier to operate on digital signals than analog ones.</a:t>
-            </a:r>
-          </a:p>
-          <a:p>
             <a:endParaRPr lang="en-US" dirty="0"/>
-          </a:p>
-          <a:p>
-            <a:r>
-              <a:rPr lang="en-US" dirty="0"/>
-              <a:t>While circuits that work with digital signals are more complex and require more engineering, operating and programming with digital circuits is much easier to understand. I can show you my transcript for undergraduate, and let’s hope we agree on this one </a:t>
-            </a:r>
-            <a:r>
-              <a:rPr lang="en-US" dirty="0">
-                <a:sym typeface="Wingdings" panose="05000000000000000000" pitchFamily="2" charset="2"/>
-              </a:rPr>
-              <a:t>:(</a:t>
-            </a:r>
           </a:p>
         </p:txBody>
       </p:sp>
@@ -7184,6 +7169,108 @@
           <a:p>
             <a:fld id="{64E13E44-A368-46EA-9BDD-E24139122969}" type="slidenum">
               <a:rPr lang="en-US" smtClean="0"/>
+              <a:t>20</a:t>
+            </a:fld>
+            <a:endParaRPr lang="en-US"/>
+          </a:p>
+        </p:txBody>
+      </p:sp>
+    </p:spTree>
+    <p:extLst>
+      <p:ext uri="{BB962C8B-B14F-4D97-AF65-F5344CB8AC3E}">
+        <p14:creationId xmlns:p14="http://schemas.microsoft.com/office/powerpoint/2010/main" val="391294312"/>
+      </p:ext>
+    </p:extLst>
+  </p:cSld>
+  <p:clrMapOvr>
+    <a:masterClrMapping/>
+  </p:clrMapOvr>
+</p:notes>
+</file>
+
+<file path=ppt/notesSlides/notesSlide7.xml><?xml version="1.0" encoding="utf-8"?>
+<p:notes xmlns:a="http://schemas.openxmlformats.org/drawingml/2006/main" xmlns:r="http://schemas.openxmlformats.org/officeDocument/2006/relationships" xmlns:p="http://schemas.openxmlformats.org/presentationml/2006/main">
+  <p:cSld>
+    <p:spTree>
+      <p:nvGrpSpPr>
+        <p:cNvPr id="1" name=""/>
+        <p:cNvGrpSpPr/>
+        <p:nvPr/>
+      </p:nvGrpSpPr>
+      <p:grpSpPr>
+        <a:xfrm>
+          <a:off x="0" y="0"/>
+          <a:ext cx="0" cy="0"/>
+          <a:chOff x="0" y="0"/>
+          <a:chExt cx="0" cy="0"/>
+        </a:xfrm>
+      </p:grpSpPr>
+      <p:sp>
+        <p:nvSpPr>
+          <p:cNvPr id="2" name="Slide Image Placeholder 1"/>
+          <p:cNvSpPr>
+            <a:spLocks noGrp="1" noRot="1" noChangeAspect="1"/>
+          </p:cNvSpPr>
+          <p:nvPr>
+            <p:ph type="sldImg"/>
+          </p:nvPr>
+        </p:nvSpPr>
+        <p:spPr/>
+      </p:sp>
+      <p:sp>
+        <p:nvSpPr>
+          <p:cNvPr id="3" name="Notes Placeholder 2"/>
+          <p:cNvSpPr>
+            <a:spLocks noGrp="1"/>
+          </p:cNvSpPr>
+          <p:nvPr>
+            <p:ph type="body" idx="1"/>
+          </p:nvPr>
+        </p:nvSpPr>
+        <p:spPr/>
+        <p:txBody>
+          <a:bodyPr/>
+          <a:lstStyle/>
+          <a:p>
+            <a:r>
+              <a:rPr lang="en-US" dirty="0"/>
+              <a:t>It’s much easier to operate on digital signals than analog ones.</a:t>
+            </a:r>
+          </a:p>
+          <a:p>
+            <a:endParaRPr lang="en-US" dirty="0"/>
+          </a:p>
+          <a:p>
+            <a:r>
+              <a:rPr lang="en-US" dirty="0"/>
+              <a:t>While circuits that work with digital signals are more complex and require more engineering, operating and programming with digital circuits is much easier to understand. I can show you my transcript for undergraduate, and let’s hope we agree on this one </a:t>
+            </a:r>
+            <a:r>
+              <a:rPr lang="en-US" dirty="0">
+                <a:sym typeface="Wingdings" panose="05000000000000000000" pitchFamily="2" charset="2"/>
+              </a:rPr>
+              <a:t>:(</a:t>
+            </a:r>
+          </a:p>
+        </p:txBody>
+      </p:sp>
+      <p:sp>
+        <p:nvSpPr>
+          <p:cNvPr id="4" name="Slide Number Placeholder 3"/>
+          <p:cNvSpPr>
+            <a:spLocks noGrp="1"/>
+          </p:cNvSpPr>
+          <p:nvPr>
+            <p:ph type="sldNum" sz="quarter" idx="5"/>
+          </p:nvPr>
+        </p:nvSpPr>
+        <p:spPr/>
+        <p:txBody>
+          <a:bodyPr/>
+          <a:lstStyle/>
+          <a:p>
+            <a:fld id="{64E13E44-A368-46EA-9BDD-E24139122969}" type="slidenum">
+              <a:rPr lang="en-US" smtClean="0"/>
               <a:t>21</a:t>
             </a:fld>
             <a:endParaRPr lang="en-US"/>
@@ -7203,7 +7290,7 @@
 </p:notes>
 </file>
 
-<file path=ppt/notesSlides/notesSlide7.xml><?xml version="1.0" encoding="utf-8"?>
+<file path=ppt/notesSlides/notesSlide8.xml><?xml version="1.0" encoding="utf-8"?>
 <p:notes xmlns:a="http://schemas.openxmlformats.org/drawingml/2006/main" xmlns:r="http://schemas.openxmlformats.org/officeDocument/2006/relationships" xmlns:p="http://schemas.openxmlformats.org/presentationml/2006/main">
   <p:cSld>
     <p:spTree>
@@ -7418,7 +7505,7 @@
           <a:p>
             <a:fld id="{AB9BEAF9-0D78-4E24-948A-610D18EE93DD}" type="datetime1">
               <a:rPr lang="en-US" smtClean="0"/>
-              <a:t>2019-06-10</a:t>
+              <a:t>2020-09-04</a:t>
             </a:fld>
             <a:endParaRPr lang="en-US"/>
           </a:p>
@@ -7588,7 +7675,7 @@
           <a:p>
             <a:fld id="{6574387E-5596-4E76-B85A-AE3452DFDB62}" type="datetime1">
               <a:rPr lang="en-US" smtClean="0"/>
-              <a:t>2019-06-10</a:t>
+              <a:t>2020-09-04</a:t>
             </a:fld>
             <a:endParaRPr lang="en-US"/>
           </a:p>
@@ -7768,7 +7855,7 @@
           <a:p>
             <a:fld id="{58A480A3-8F0E-42AC-9E07-EF3D64495462}" type="datetime1">
               <a:rPr lang="en-US" smtClean="0"/>
-              <a:t>2019-06-10</a:t>
+              <a:t>2020-09-04</a:t>
             </a:fld>
             <a:endParaRPr lang="en-US"/>
           </a:p>
@@ -7938,7 +8025,7 @@
           <a:p>
             <a:fld id="{783FBBD3-5547-4C8E-B2C8-F9BB9E41B5AF}" type="datetime1">
               <a:rPr lang="en-US" smtClean="0"/>
-              <a:t>2019-06-10</a:t>
+              <a:t>2020-09-04</a:t>
             </a:fld>
             <a:endParaRPr lang="en-US"/>
           </a:p>
@@ -8187,7 +8274,7 @@
           <a:p>
             <a:fld id="{5EC11526-D6B4-4150-870B-F677475086AE}" type="datetime1">
               <a:rPr lang="en-US" smtClean="0"/>
-              <a:t>2019-06-10</a:t>
+              <a:t>2020-09-04</a:t>
             </a:fld>
             <a:endParaRPr lang="en-US"/>
           </a:p>
@@ -8419,7 +8506,7 @@
           <a:p>
             <a:fld id="{90202221-11D1-431F-97BB-CB7507450614}" type="datetime1">
               <a:rPr lang="en-US" smtClean="0"/>
-              <a:t>2019-06-10</a:t>
+              <a:t>2020-09-04</a:t>
             </a:fld>
             <a:endParaRPr lang="en-US"/>
           </a:p>
@@ -8786,7 +8873,7 @@
           <a:p>
             <a:fld id="{282226ED-0DCE-43A3-A9B1-23080B8FE7A7}" type="datetime1">
               <a:rPr lang="en-US" smtClean="0"/>
-              <a:t>2019-06-10</a:t>
+              <a:t>2020-09-04</a:t>
             </a:fld>
             <a:endParaRPr lang="en-US"/>
           </a:p>
@@ -8904,7 +8991,7 @@
           <a:p>
             <a:fld id="{744C90B8-4FF1-4B3E-B424-6FB6A0D92D75}" type="datetime1">
               <a:rPr lang="en-US" smtClean="0"/>
-              <a:t>2019-06-10</a:t>
+              <a:t>2020-09-04</a:t>
             </a:fld>
             <a:endParaRPr lang="en-US"/>
           </a:p>
@@ -8999,7 +9086,7 @@
           <a:p>
             <a:fld id="{715ABEAD-9310-420D-B116-B5C890A20245}" type="datetime1">
               <a:rPr lang="en-US" smtClean="0"/>
-              <a:t>2019-06-10</a:t>
+              <a:t>2020-09-04</a:t>
             </a:fld>
             <a:endParaRPr lang="en-US"/>
           </a:p>
@@ -9276,7 +9363,7 @@
           <a:p>
             <a:fld id="{27C4029E-2CC3-45F7-907A-D0199649386F}" type="datetime1">
               <a:rPr lang="en-US" smtClean="0"/>
-              <a:t>2019-06-10</a:t>
+              <a:t>2020-09-04</a:t>
             </a:fld>
             <a:endParaRPr lang="en-US"/>
           </a:p>
@@ -9533,7 +9620,7 @@
           <a:p>
             <a:fld id="{F9C81C69-7E96-44A4-84BA-1C2F3C681B55}" type="datetime1">
               <a:rPr lang="en-US" smtClean="0"/>
-              <a:t>2019-06-10</a:t>
+              <a:t>2020-09-04</a:t>
             </a:fld>
             <a:endParaRPr lang="en-US"/>
           </a:p>
@@ -9746,7 +9833,7 @@
           <a:p>
             <a:fld id="{BBB0475E-73F0-46EC-93A1-C8743BD07124}" type="datetime1">
               <a:rPr lang="en-US" smtClean="0"/>
-              <a:t>2019-06-10</a:t>
+              <a:t>2020-09-04</a:t>
             </a:fld>
             <a:endParaRPr lang="en-US"/>
           </a:p>
@@ -34335,7 +34422,7 @@
           <a:p>
             <a:r>
               <a:rPr lang="en-US" sz="3600" dirty="0"/>
-              <a:t>Hint: Try to trace one output at a time.</a:t>
+              <a:t>Hint: Trace one output at a time.</a:t>
             </a:r>
           </a:p>
         </p:txBody>
@@ -35194,7 +35281,7 @@
           <a:p>
             <a:r>
               <a:rPr lang="en-US" sz="3600" dirty="0"/>
-              <a:t>Hint: Try to trace one output at a time.</a:t>
+              <a:t>Hint: Trace one output at a time.</a:t>
             </a:r>
           </a:p>
         </p:txBody>
@@ -48784,8 +48871,8 @@
 </file>
 
 <file path=customXml/item1.xml><?xml version="1.0" encoding="utf-8"?>
-<Control xmlns="http://schemas.microsoft.com/VisualStudio/2011/storyboarding/control">
-  <Id Name="System.Storyboarding.Media.WebAd" Revision="1" Stencil="System.Storyboarding.Media" StencilVersion="0.1"/>
+<Control xmlns="http://schemas.microsoft.com/VisualStudio/2011/storyboarding/control/v1.0">
+  <Id Name="System.Storyboarding.Common.Text" RevisionId="68ea164d-c1de-47a5-804f-d4d1290fa524" Stencil="System.Storyboarding.Common" StencilRevisionId="68ea164d-c1de-47a5-804f-d4d1290fa524" StencilVersion="0.1"/>
 </Control>
 </file>
 
@@ -48797,13 +48884,13 @@
 
 <file path=customXml/item11.xml><?xml version="1.0" encoding="utf-8"?>
 <Control xmlns="http://schemas.microsoft.com/VisualStudio/2011/storyboarding/control/v1.0">
-  <Id Name="System.Storyboarding.Common.Text" RevisionId="68ea164d-c1de-47a5-804f-d4d1290fa524" Stencil="System.Storyboarding.Common" StencilRevisionId="68ea164d-c1de-47a5-804f-d4d1290fa524" StencilVersion="0.1"/>
+  <Id Name="System.Storyboarding.Common.SearchBox" RevisionId="68ea164d-c1de-47a5-804f-d4d1290fa524" Stencil="System.Storyboarding.Common" StencilRevisionId="68ea164d-c1de-47a5-804f-d4d1290fa524" StencilVersion="0.1"/>
 </Control>
 </file>
 
 <file path=customXml/item12.xml><?xml version="1.0" encoding="utf-8"?>
-<Control xmlns="http://schemas.microsoft.com/VisualStudio/2011/storyboarding/control/v1.0">
-  <Id Name="System.Storyboarding.Common.Text" RevisionId="68ea164d-c1de-47a5-804f-d4d1290fa524" Stencil="System.Storyboarding.Common" StencilRevisionId="68ea164d-c1de-47a5-804f-d4d1290fa524" StencilVersion="0.1"/>
+<Control xmlns="http://schemas.microsoft.com/VisualStudio/2011/storyboarding/control">
+  <Id Name="System.Storyboarding.Backgrounds.SharePoint" Revision="1" Stencil="System.Storyboarding.Backgrounds" StencilVersion="0.1"/>
 </Control>
 </file>
 
@@ -48821,13 +48908,13 @@
 
 <file path=customXml/item4.xml><?xml version="1.0" encoding="utf-8"?>
 <Control xmlns="http://schemas.microsoft.com/VisualStudio/2011/storyboarding/control/v1.0">
-  <Id Name="System.Storyboarding.Common.SearchBox" RevisionId="68ea164d-c1de-47a5-804f-d4d1290fa524" Stencil="System.Storyboarding.Common" StencilRevisionId="68ea164d-c1de-47a5-804f-d4d1290fa524" StencilVersion="0.1"/>
+  <Id Name="System.Storyboarding.Common.DropdownBox" RevisionId="68ea164d-c1de-47a5-804f-d4d1290fa524" Stencil="System.Storyboarding.Common" StencilRevisionId="68ea164d-c1de-47a5-804f-d4d1290fa524" StencilVersion="0.1"/>
 </Control>
 </file>
 
 <file path=customXml/item5.xml><?xml version="1.0" encoding="utf-8"?>
 <Control xmlns="http://schemas.microsoft.com/VisualStudio/2011/storyboarding/control/v1.0">
-  <Id Name="System.Storyboarding.Common.DropdownBox" RevisionId="68ea164d-c1de-47a5-804f-d4d1290fa524" Stencil="System.Storyboarding.Common" StencilRevisionId="68ea164d-c1de-47a5-804f-d4d1290fa524" StencilVersion="0.1"/>
+  <Id Name="System.Storyboarding.Icons.Help" RevisionId="05cd6d03-c0b2-488e-98a7-d68de69a2cfc" Stencil="System.Storyboarding.Icons" StencilRevisionId="05cd6d03-c0b2-488e-98a7-d68de69a2cfc" StencilVersion="0.1"/>
 </Control>
 </file>
 
@@ -48844,21 +48931,21 @@
 </file>
 
 <file path=customXml/item8.xml><?xml version="1.0" encoding="utf-8"?>
-<Control xmlns="http://schemas.microsoft.com/VisualStudio/2011/storyboarding/control/v1.0">
-  <Id Name="System.Storyboarding.Icons.Help" RevisionId="05cd6d03-c0b2-488e-98a7-d68de69a2cfc" Stencil="System.Storyboarding.Icons" StencilRevisionId="05cd6d03-c0b2-488e-98a7-d68de69a2cfc" StencilVersion="0.1"/>
+<Control xmlns="http://schemas.microsoft.com/VisualStudio/2011/storyboarding/control">
+  <Id Name="System.Storyboarding.Media.WebAd" Revision="1" Stencil="System.Storyboarding.Media" StencilVersion="0.1"/>
 </Control>
 </file>
 
 <file path=customXml/item9.xml><?xml version="1.0" encoding="utf-8"?>
-<Control xmlns="http://schemas.microsoft.com/VisualStudio/2011/storyboarding/control">
-  <Id Name="System.Storyboarding.Backgrounds.SharePoint" Revision="1" Stencil="System.Storyboarding.Backgrounds" StencilVersion="0.1"/>
+<Control xmlns="http://schemas.microsoft.com/VisualStudio/2011/storyboarding/control/v1.0">
+  <Id Name="System.Storyboarding.Common.Text" RevisionId="68ea164d-c1de-47a5-804f-d4d1290fa524" Stencil="System.Storyboarding.Common" StencilRevisionId="68ea164d-c1de-47a5-804f-d4d1290fa524" StencilVersion="0.1"/>
 </Control>
 </file>
 
 <file path=customXml/itemProps1.xml><?xml version="1.0" encoding="utf-8"?>
-<ds:datastoreItem xmlns:ds="http://schemas.openxmlformats.org/officeDocument/2006/customXml" ds:itemID="{D23D96C8-A2D2-40D8-8907-1969DA7EF15F}">
+<ds:datastoreItem xmlns:ds="http://schemas.openxmlformats.org/officeDocument/2006/customXml" ds:itemID="{4475BC4D-1BB3-42EE-94C9-1B162D8BAFED}">
   <ds:schemaRefs>
-    <ds:schemaRef ds:uri="http://schemas.microsoft.com/VisualStudio/2011/storyboarding/control"/>
+    <ds:schemaRef ds:uri="http://schemas.microsoft.com/VisualStudio/2011/storyboarding/control/v1.0"/>
   </ds:schemaRefs>
 </ds:datastoreItem>
 </file>
@@ -48872,7 +48959,7 @@
 </file>
 
 <file path=customXml/itemProps11.xml><?xml version="1.0" encoding="utf-8"?>
-<ds:datastoreItem xmlns:ds="http://schemas.openxmlformats.org/officeDocument/2006/customXml" ds:itemID="{E83CE332-ECC5-4BAC-A734-C260BE747A0D}">
+<ds:datastoreItem xmlns:ds="http://schemas.openxmlformats.org/officeDocument/2006/customXml" ds:itemID="{AB8AF5A6-FA45-4246-A67D-74215671FBEF}">
   <ds:schemaRefs>
     <ds:schemaRef ds:uri="http://schemas.microsoft.com/VisualStudio/2011/storyboarding/control/v1.0"/>
   </ds:schemaRefs>
@@ -48880,9 +48967,9 @@
 </file>
 
 <file path=customXml/itemProps12.xml><?xml version="1.0" encoding="utf-8"?>
-<ds:datastoreItem xmlns:ds="http://schemas.openxmlformats.org/officeDocument/2006/customXml" ds:itemID="{6089AD14-2AFF-487A-A99A-106B05215CC5}">
+<ds:datastoreItem xmlns:ds="http://schemas.openxmlformats.org/officeDocument/2006/customXml" ds:itemID="{CC3179F3-27FC-4C3B-B6E0-5C0C670B056B}">
   <ds:schemaRefs>
-    <ds:schemaRef ds:uri="http://schemas.microsoft.com/VisualStudio/2011/storyboarding/control/v1.0"/>
+    <ds:schemaRef ds:uri="http://schemas.microsoft.com/VisualStudio/2011/storyboarding/control"/>
   </ds:schemaRefs>
 </ds:datastoreItem>
 </file>
@@ -48896,6 +48983,30 @@
 </file>
 
 <file path=customXml/itemProps3.xml><?xml version="1.0" encoding="utf-8"?>
+<ds:datastoreItem xmlns:ds="http://schemas.openxmlformats.org/officeDocument/2006/customXml" ds:itemID="{E83CE332-ECC5-4BAC-A734-C260BE747A0D}">
+  <ds:schemaRefs>
+    <ds:schemaRef ds:uri="http://schemas.microsoft.com/VisualStudio/2011/storyboarding/control/v1.0"/>
+  </ds:schemaRefs>
+</ds:datastoreItem>
+</file>
+
+<file path=customXml/itemProps4.xml><?xml version="1.0" encoding="utf-8"?>
+<ds:datastoreItem xmlns:ds="http://schemas.openxmlformats.org/officeDocument/2006/customXml" ds:itemID="{5A6F5145-09F5-421E-ABA8-035D9DF59D73}">
+  <ds:schemaRefs>
+    <ds:schemaRef ds:uri="http://schemas.microsoft.com/VisualStudio/2011/storyboarding/control/v1.0"/>
+  </ds:schemaRefs>
+</ds:datastoreItem>
+</file>
+
+<file path=customXml/itemProps5.xml><?xml version="1.0" encoding="utf-8"?>
+<ds:datastoreItem xmlns:ds="http://schemas.openxmlformats.org/officeDocument/2006/customXml" ds:itemID="{E8B65369-76D4-44B9-8CEB-D454AC76CCEB}">
+  <ds:schemaRefs>
+    <ds:schemaRef ds:uri="http://schemas.microsoft.com/VisualStudio/2011/storyboarding/control/v1.0"/>
+  </ds:schemaRefs>
+</ds:datastoreItem>
+</file>
+
+<file path=customXml/itemProps6.xml><?xml version="1.0" encoding="utf-8"?>
 <ds:datastoreItem xmlns:ds="http://schemas.openxmlformats.org/officeDocument/2006/customXml" ds:itemID="{D876FCC0-9E7A-48B1-8E50-1A0759F74E0A}">
   <ds:schemaRefs>
     <ds:schemaRef ds:uri="http://schemas.microsoft.com/VisualStudio/2011/storyboarding/control/v1.0"/>
@@ -48903,32 +49014,8 @@
 </ds:datastoreItem>
 </file>
 
-<file path=customXml/itemProps4.xml><?xml version="1.0" encoding="utf-8"?>
-<ds:datastoreItem xmlns:ds="http://schemas.openxmlformats.org/officeDocument/2006/customXml" ds:itemID="{AB8AF5A6-FA45-4246-A67D-74215671FBEF}">
-  <ds:schemaRefs>
-    <ds:schemaRef ds:uri="http://schemas.microsoft.com/VisualStudio/2011/storyboarding/control/v1.0"/>
-  </ds:schemaRefs>
-</ds:datastoreItem>
-</file>
-
-<file path=customXml/itemProps5.xml><?xml version="1.0" encoding="utf-8"?>
-<ds:datastoreItem xmlns:ds="http://schemas.openxmlformats.org/officeDocument/2006/customXml" ds:itemID="{5A6F5145-09F5-421E-ABA8-035D9DF59D73}">
-  <ds:schemaRefs>
-    <ds:schemaRef ds:uri="http://schemas.microsoft.com/VisualStudio/2011/storyboarding/control/v1.0"/>
-  </ds:schemaRefs>
-</ds:datastoreItem>
-</file>
-
-<file path=customXml/itemProps6.xml><?xml version="1.0" encoding="utf-8"?>
-<ds:datastoreItem xmlns:ds="http://schemas.openxmlformats.org/officeDocument/2006/customXml" ds:itemID="{BCFDDF06-4D2E-4D6D-9A1B-C447B3F4EA67}">
-  <ds:schemaRefs>
-    <ds:schemaRef ds:uri="http://schemas.microsoft.com/VisualStudio/2011/storyboarding/control/v1.0"/>
-  </ds:schemaRefs>
-</ds:datastoreItem>
-</file>
-
 <file path=customXml/itemProps7.xml><?xml version="1.0" encoding="utf-8"?>
-<ds:datastoreItem xmlns:ds="http://schemas.openxmlformats.org/officeDocument/2006/customXml" ds:itemID="{4475BC4D-1BB3-42EE-94C9-1B162D8BAFED}">
+<ds:datastoreItem xmlns:ds="http://schemas.openxmlformats.org/officeDocument/2006/customXml" ds:itemID="{6089AD14-2AFF-487A-A99A-106B05215CC5}">
   <ds:schemaRefs>
     <ds:schemaRef ds:uri="http://schemas.microsoft.com/VisualStudio/2011/storyboarding/control/v1.0"/>
   </ds:schemaRefs>
@@ -48936,17 +49023,17 @@
 </file>
 
 <file path=customXml/itemProps8.xml><?xml version="1.0" encoding="utf-8"?>
-<ds:datastoreItem xmlns:ds="http://schemas.openxmlformats.org/officeDocument/2006/customXml" ds:itemID="{E8B65369-76D4-44B9-8CEB-D454AC76CCEB}">
+<ds:datastoreItem xmlns:ds="http://schemas.openxmlformats.org/officeDocument/2006/customXml" ds:itemID="{D23D96C8-A2D2-40D8-8907-1969DA7EF15F}">
   <ds:schemaRefs>
-    <ds:schemaRef ds:uri="http://schemas.microsoft.com/VisualStudio/2011/storyboarding/control/v1.0"/>
+    <ds:schemaRef ds:uri="http://schemas.microsoft.com/VisualStudio/2011/storyboarding/control"/>
   </ds:schemaRefs>
 </ds:datastoreItem>
 </file>
 
 <file path=customXml/itemProps9.xml><?xml version="1.0" encoding="utf-8"?>
-<ds:datastoreItem xmlns:ds="http://schemas.openxmlformats.org/officeDocument/2006/customXml" ds:itemID="{CC3179F3-27FC-4C3B-B6E0-5C0C670B056B}">
+<ds:datastoreItem xmlns:ds="http://schemas.openxmlformats.org/officeDocument/2006/customXml" ds:itemID="{BCFDDF06-4D2E-4D6D-9A1B-C447B3F4EA67}">
   <ds:schemaRefs>
-    <ds:schemaRef ds:uri="http://schemas.microsoft.com/VisualStudio/2011/storyboarding/control"/>
+    <ds:schemaRef ds:uri="http://schemas.microsoft.com/VisualStudio/2011/storyboarding/control/v1.0"/>
   </ds:schemaRefs>
 </ds:datastoreItem>
 </file>